--- a/Mook/PJT_유현수_수정본.pptx
+++ b/Mook/PJT_유현수_수정본.pptx
@@ -15908,7 +15908,7 @@
         </p:nvSpPr>
         <p:spPr>
           <a:xfrm>
-            <a:off x="636494" y="2643331"/>
+            <a:off x="636493" y="2753263"/>
             <a:ext cx="1290918" cy="307777"/>
           </a:xfrm>
           <a:prstGeom prst="rect">
@@ -15923,7 +15923,7 @@
           <a:lstStyle/>
           <a:p>
             <a:r>
-              <a:rPr lang="ko-KR" altLang="en-US" b="1">
+              <a:rPr lang="ko-KR" altLang="en-US" b="1" dirty="0">
                 <a:latin typeface="+mn-ea"/>
                 <a:ea typeface="+mn-ea"/>
               </a:rPr>
@@ -15985,8 +15985,31 @@
         </p:blipFill>
         <p:spPr>
           <a:xfrm>
-            <a:off x="838020" y="3156140"/>
+            <a:off x="883023" y="3485324"/>
             <a:ext cx="5320245" cy="428307"/>
+          </a:xfrm>
+          <a:prstGeom prst="rect">
+            <a:avLst/>
+          </a:prstGeom>
+        </p:spPr>
+      </p:pic>
+      <p:pic>
+        <p:nvPicPr>
+          <p:cNvPr id="3" name="그림 2"/>
+          <p:cNvPicPr>
+            <a:picLocks noChangeAspect="1"/>
+          </p:cNvPicPr>
+          <p:nvPr/>
+        </p:nvPicPr>
+        <p:blipFill rotWithShape="1">
+          <a:blip r:embed="rId3"/>
+          <a:srcRect t="43952" b="45824"/>
+          <a:stretch/>
+        </p:blipFill>
+        <p:spPr>
+          <a:xfrm>
+            <a:off x="838020" y="1617901"/>
+            <a:ext cx="7124432" cy="402095"/>
           </a:xfrm>
           <a:prstGeom prst="rect">
             <a:avLst/>
